--- a/Slides/Unit5_Exceptions.pptx
+++ b/Slides/Unit5_Exceptions.pptx
@@ -5,17 +5,17 @@
     <p:sldMasterId id="2147483648" r:id="rId1"/>
   </p:sldMasterIdLst>
   <p:sldIdLst>
-    <p:sldId id="256" r:id="rId7"/>
-    <p:sldId id="257" r:id="rId8"/>
-    <p:sldId id="258" r:id="rId9"/>
-    <p:sldId id="259" r:id="rId10"/>
-    <p:sldId id="260" r:id="rId11"/>
-    <p:sldId id="261" r:id="rId12"/>
-    <p:sldId id="262" r:id="rId13"/>
-    <p:sldId id="263" r:id="rId14"/>
-    <p:sldId id="264" r:id="rId15"/>
-    <p:sldId id="265" r:id="rId16"/>
-    <p:sldId id="266" r:id="rId17"/>
+    <p:sldId id="256" r:id="rId2"/>
+    <p:sldId id="257" r:id="rId3"/>
+    <p:sldId id="258" r:id="rId4"/>
+    <p:sldId id="259" r:id="rId5"/>
+    <p:sldId id="260" r:id="rId6"/>
+    <p:sldId id="261" r:id="rId7"/>
+    <p:sldId id="262" r:id="rId8"/>
+    <p:sldId id="263" r:id="rId9"/>
+    <p:sldId id="264" r:id="rId10"/>
+    <p:sldId id="265" r:id="rId11"/>
+    <p:sldId id="266" r:id="rId12"/>
   </p:sldIdLst>
   <p:sldSz cx="9144000" cy="6858000" type="screen4x3"/>
   <p:notesSz cx="6858000" cy="9144000"/>
@@ -114,6 +114,22 @@
       </a:defRPr>
     </a:lvl9pPr>
   </p:defaultTextStyle>
+  <p:extLst>
+    <p:ext uri="{EFAFB233-063F-42B5-8137-9DF3F51BA10A}">
+      <p15:sldGuideLst xmlns:p15="http://schemas.microsoft.com/office/powerpoint/2012/main">
+        <p15:guide id="1" orient="horz" pos="2160">
+          <p15:clr>
+            <a:srgbClr val="A4A3A4"/>
+          </p15:clr>
+        </p15:guide>
+        <p15:guide id="2" pos="2880">
+          <p15:clr>
+            <a:srgbClr val="A4A3A4"/>
+          </p15:clr>
+        </p15:guide>
+      </p15:sldGuideLst>
+    </p:ext>
+  </p:extLst>
 </p:presentation>
 </file>
 
@@ -298,7 +314,7 @@
           <a:p>
             <a:fld id="{5BCAD085-E8A6-8845-BD4E-CB4CCA059FC4}" type="datetimeFigureOut">
               <a:rPr lang="en-US" smtClean="0"/>
-              <a:t>1/27/13</a:t>
+              <a:t>12/18/2025</a:t>
             </a:fld>
             <a:endParaRPr lang="en-US"/>
           </a:p>
@@ -468,7 +484,7 @@
           <a:p>
             <a:fld id="{5BCAD085-E8A6-8845-BD4E-CB4CCA059FC4}" type="datetimeFigureOut">
               <a:rPr lang="en-US" smtClean="0"/>
-              <a:t>1/27/13</a:t>
+              <a:t>12/18/2025</a:t>
             </a:fld>
             <a:endParaRPr lang="en-US"/>
           </a:p>
@@ -648,7 +664,7 @@
           <a:p>
             <a:fld id="{5BCAD085-E8A6-8845-BD4E-CB4CCA059FC4}" type="datetimeFigureOut">
               <a:rPr lang="en-US" smtClean="0"/>
-              <a:t>1/27/13</a:t>
+              <a:t>12/18/2025</a:t>
             </a:fld>
             <a:endParaRPr lang="en-US"/>
           </a:p>
@@ -818,7 +834,7 @@
           <a:p>
             <a:fld id="{5BCAD085-E8A6-8845-BD4E-CB4CCA059FC4}" type="datetimeFigureOut">
               <a:rPr lang="en-US" smtClean="0"/>
-              <a:t>1/27/13</a:t>
+              <a:t>12/18/2025</a:t>
             </a:fld>
             <a:endParaRPr lang="en-US"/>
           </a:p>
@@ -1064,7 +1080,7 @@
           <a:p>
             <a:fld id="{5BCAD085-E8A6-8845-BD4E-CB4CCA059FC4}" type="datetimeFigureOut">
               <a:rPr lang="en-US" smtClean="0"/>
-              <a:t>1/27/13</a:t>
+              <a:t>12/18/2025</a:t>
             </a:fld>
             <a:endParaRPr lang="en-US"/>
           </a:p>
@@ -1352,7 +1368,7 @@
           <a:p>
             <a:fld id="{5BCAD085-E8A6-8845-BD4E-CB4CCA059FC4}" type="datetimeFigureOut">
               <a:rPr lang="en-US" smtClean="0"/>
-              <a:t>1/27/13</a:t>
+              <a:t>12/18/2025</a:t>
             </a:fld>
             <a:endParaRPr lang="en-US"/>
           </a:p>
@@ -1774,7 +1790,7 @@
           <a:p>
             <a:fld id="{5BCAD085-E8A6-8845-BD4E-CB4CCA059FC4}" type="datetimeFigureOut">
               <a:rPr lang="en-US" smtClean="0"/>
-              <a:t>1/27/13</a:t>
+              <a:t>12/18/2025</a:t>
             </a:fld>
             <a:endParaRPr lang="en-US"/>
           </a:p>
@@ -1892,7 +1908,7 @@
           <a:p>
             <a:fld id="{5BCAD085-E8A6-8845-BD4E-CB4CCA059FC4}" type="datetimeFigureOut">
               <a:rPr lang="en-US" smtClean="0"/>
-              <a:t>1/27/13</a:t>
+              <a:t>12/18/2025</a:t>
             </a:fld>
             <a:endParaRPr lang="en-US"/>
           </a:p>
@@ -1987,7 +2003,7 @@
           <a:p>
             <a:fld id="{5BCAD085-E8A6-8845-BD4E-CB4CCA059FC4}" type="datetimeFigureOut">
               <a:rPr lang="en-US" smtClean="0"/>
-              <a:t>1/27/13</a:t>
+              <a:t>12/18/2025</a:t>
             </a:fld>
             <a:endParaRPr lang="en-US"/>
           </a:p>
@@ -2264,7 +2280,7 @@
           <a:p>
             <a:fld id="{5BCAD085-E8A6-8845-BD4E-CB4CCA059FC4}" type="datetimeFigureOut">
               <a:rPr lang="en-US" smtClean="0"/>
-              <a:t>1/27/13</a:t>
+              <a:t>12/18/2025</a:t>
             </a:fld>
             <a:endParaRPr lang="en-US"/>
           </a:p>
@@ -2517,7 +2533,7 @@
           <a:p>
             <a:fld id="{5BCAD085-E8A6-8845-BD4E-CB4CCA059FC4}" type="datetimeFigureOut">
               <a:rPr lang="en-US" smtClean="0"/>
-              <a:t>1/27/13</a:t>
+              <a:t>12/18/2025</a:t>
             </a:fld>
             <a:endParaRPr lang="en-US"/>
           </a:p>
@@ -2730,7 +2746,7 @@
           <a:p>
             <a:fld id="{5BCAD085-E8A6-8845-BD4E-CB4CCA059FC4}" type="datetimeFigureOut">
               <a:rPr lang="en-US" smtClean="0"/>
-              <a:t>1/27/13</a:t>
+              <a:t>12/18/2025</a:t>
             </a:fld>
             <a:endParaRPr lang="en-US"/>
           </a:p>
@@ -3089,7 +3105,7 @@
 </file>
 
 <file path=ppt/slides/slide1.xml><?xml version="1.0" encoding="utf-8"?>
-<p:sld xmlns:a="http://schemas.openxmlformats.org/drawingml/2006/main" xmlns:p="http://schemas.openxmlformats.org/presentationml/2006/main" xmlns:r="http://schemas.openxmlformats.org/officeDocument/2006/relationships">
+<p:sld xmlns:a="http://schemas.openxmlformats.org/drawingml/2006/main" xmlns:r="http://schemas.openxmlformats.org/officeDocument/2006/relationships" xmlns:p="http://schemas.openxmlformats.org/presentationml/2006/main">
   <p:cSld>
     <p:spTree>
       <p:nvGrpSpPr>
@@ -3097,7 +3113,14 @@
         <p:cNvGrpSpPr/>
         <p:nvPr/>
       </p:nvGrpSpPr>
-      <p:grpSpPr/>
+      <p:grpSpPr>
+        <a:xfrm>
+          <a:off x="0" y="0"/>
+          <a:ext cx="0" cy="0"/>
+          <a:chOff x="0" y="0"/>
+          <a:chExt cx="0" cy="0"/>
+        </a:xfrm>
+      </p:grpSpPr>
       <p:sp>
         <p:nvSpPr>
           <p:cNvPr id="2" name="Title 1"/>
@@ -3135,8 +3158,14 @@
           <a:lstStyle/>
           <a:p>
             <a:r>
-              <a:t>BCA Third Semester – Detailed PPT Notes</a:t>
-            </a:r>
+              <a:rPr dirty="0"/>
+              <a:t>BCA Third </a:t>
+            </a:r>
+            <a:r>
+              <a:rPr dirty="0" smtClean="0"/>
+              <a:t>Semester</a:t>
+            </a:r>
+            <a:endParaRPr dirty="0"/>
           </a:p>
         </p:txBody>
       </p:sp>
@@ -3149,7 +3178,7 @@
 </file>
 
 <file path=ppt/slides/slide10.xml><?xml version="1.0" encoding="utf-8"?>
-<p:sld xmlns:a="http://schemas.openxmlformats.org/drawingml/2006/main" xmlns:p="http://schemas.openxmlformats.org/presentationml/2006/main" xmlns:r="http://schemas.openxmlformats.org/officeDocument/2006/relationships">
+<p:sld xmlns:a="http://schemas.openxmlformats.org/drawingml/2006/main" xmlns:r="http://schemas.openxmlformats.org/officeDocument/2006/relationships" xmlns:p="http://schemas.openxmlformats.org/presentationml/2006/main">
   <p:cSld>
     <p:spTree>
       <p:nvGrpSpPr>
@@ -3157,7 +3186,14 @@
         <p:cNvGrpSpPr/>
         <p:nvPr/>
       </p:nvGrpSpPr>
-      <p:grpSpPr/>
+      <p:grpSpPr>
+        <a:xfrm>
+          <a:off x="0" y="0"/>
+          <a:ext cx="0" cy="0"/>
+          <a:chOff x="0" y="0"/>
+          <a:chExt cx="0" cy="0"/>
+        </a:xfrm>
+      </p:grpSpPr>
       <p:sp>
         <p:nvSpPr>
           <p:cNvPr id="2" name="Title 1"/>
@@ -3219,7 +3255,7 @@
 </file>
 
 <file path=ppt/slides/slide11.xml><?xml version="1.0" encoding="utf-8"?>
-<p:sld xmlns:a="http://schemas.openxmlformats.org/drawingml/2006/main" xmlns:p="http://schemas.openxmlformats.org/presentationml/2006/main" xmlns:r="http://schemas.openxmlformats.org/officeDocument/2006/relationships">
+<p:sld xmlns:a="http://schemas.openxmlformats.org/drawingml/2006/main" xmlns:r="http://schemas.openxmlformats.org/officeDocument/2006/relationships" xmlns:p="http://schemas.openxmlformats.org/presentationml/2006/main">
   <p:cSld>
     <p:spTree>
       <p:nvGrpSpPr>
@@ -3227,7 +3263,14 @@
         <p:cNvGrpSpPr/>
         <p:nvPr/>
       </p:nvGrpSpPr>
-      <p:grpSpPr/>
+      <p:grpSpPr>
+        <a:xfrm>
+          <a:off x="0" y="0"/>
+          <a:ext cx="0" cy="0"/>
+          <a:chOff x="0" y="0"/>
+          <a:chExt cx="0" cy="0"/>
+        </a:xfrm>
+      </p:grpSpPr>
       <p:sp>
         <p:nvSpPr>
           <p:cNvPr id="2" name="Title 1"/>
@@ -3265,23 +3308,63 @@
           <a:lstStyle/>
           <a:p>
             <a:r>
+              <a:rPr dirty="0"/>
               <a:t>finally executes whether exception occurs or not.</a:t>
             </a:r>
           </a:p>
           <a:p>
             <a:r>
+              <a:rPr dirty="0"/>
               <a:t>Used for cleaning up: closing files, database connections.</a:t>
             </a:r>
           </a:p>
           <a:p>
             <a:r>
+              <a:rPr dirty="0"/>
               <a:t>Example:</a:t>
             </a:r>
           </a:p>
           <a:p>
-            <a:r>
-              <a:t>finally { System.out.println("Cleanup completed."); }</a:t>
-            </a:r>
+            <a:pPr marL="0" indent="0">
+              <a:buNone/>
+            </a:pPr>
+            <a:r>
+              <a:rPr dirty="0" smtClean="0"/>
+              <a:t>finally </a:t>
+            </a:r>
+            <a:r>
+              <a:rPr dirty="0"/>
+              <a:t>{ </a:t>
+            </a:r>
+            <a:endParaRPr lang="en-US" dirty="0" smtClean="0"/>
+          </a:p>
+          <a:p>
+            <a:pPr marL="0" indent="0">
+              <a:buNone/>
+            </a:pPr>
+            <a:r>
+              <a:rPr lang="en-US" dirty="0"/>
+              <a:t>	</a:t>
+            </a:r>
+            <a:r>
+              <a:rPr dirty="0" err="1" smtClean="0"/>
+              <a:t>System.out.println</a:t>
+            </a:r>
+            <a:r>
+              <a:rPr dirty="0"/>
+              <a:t>("Cleanup completed."); </a:t>
+            </a:r>
+            <a:endParaRPr lang="en-US" dirty="0" smtClean="0"/>
+          </a:p>
+          <a:p>
+            <a:pPr marL="0" indent="0">
+              <a:buNone/>
+            </a:pPr>
+            <a:r>
+              <a:rPr dirty="0" smtClean="0"/>
+              <a:t>}</a:t>
+            </a:r>
+            <a:endParaRPr dirty="0"/>
           </a:p>
         </p:txBody>
       </p:sp>
@@ -3294,7 +3377,7 @@
 </file>
 
 <file path=ppt/slides/slide2.xml><?xml version="1.0" encoding="utf-8"?>
-<p:sld xmlns:a="http://schemas.openxmlformats.org/drawingml/2006/main" xmlns:p="http://schemas.openxmlformats.org/presentationml/2006/main" xmlns:r="http://schemas.openxmlformats.org/officeDocument/2006/relationships">
+<p:sld xmlns:a="http://schemas.openxmlformats.org/drawingml/2006/main" xmlns:r="http://schemas.openxmlformats.org/officeDocument/2006/relationships" xmlns:p="http://schemas.openxmlformats.org/presentationml/2006/main">
   <p:cSld>
     <p:spTree>
       <p:nvGrpSpPr>
@@ -3302,7 +3385,14 @@
         <p:cNvGrpSpPr/>
         <p:nvPr/>
       </p:nvGrpSpPr>
-      <p:grpSpPr/>
+      <p:grpSpPr>
+        <a:xfrm>
+          <a:off x="0" y="0"/>
+          <a:ext cx="0" cy="0"/>
+          <a:chOff x="0" y="0"/>
+          <a:chExt cx="0" cy="0"/>
+        </a:xfrm>
+      </p:grpSpPr>
       <p:sp>
         <p:nvSpPr>
           <p:cNvPr id="2" name="Title 1"/>
@@ -3364,7 +3454,7 @@
 </file>
 
 <file path=ppt/slides/slide3.xml><?xml version="1.0" encoding="utf-8"?>
-<p:sld xmlns:a="http://schemas.openxmlformats.org/drawingml/2006/main" xmlns:p="http://schemas.openxmlformats.org/presentationml/2006/main" xmlns:r="http://schemas.openxmlformats.org/officeDocument/2006/relationships">
+<p:sld xmlns:a="http://schemas.openxmlformats.org/drawingml/2006/main" xmlns:r="http://schemas.openxmlformats.org/officeDocument/2006/relationships" xmlns:p="http://schemas.openxmlformats.org/presentationml/2006/main">
   <p:cSld>
     <p:spTree>
       <p:nvGrpSpPr>
@@ -3372,7 +3462,14 @@
         <p:cNvGrpSpPr/>
         <p:nvPr/>
       </p:nvGrpSpPr>
-      <p:grpSpPr/>
+      <p:grpSpPr>
+        <a:xfrm>
+          <a:off x="0" y="0"/>
+          <a:ext cx="0" cy="0"/>
+          <a:chOff x="0" y="0"/>
+          <a:chExt cx="0" cy="0"/>
+        </a:xfrm>
+      </p:grpSpPr>
       <p:sp>
         <p:nvSpPr>
           <p:cNvPr id="2" name="Title 1"/>
@@ -3406,40 +3503,109 @@
         </p:nvSpPr>
         <p:spPr/>
         <p:txBody>
-          <a:bodyPr/>
-          <a:lstStyle/>
-          <a:p>
-            <a:r>
+          <a:bodyPr>
+            <a:normAutofit lnSpcReduction="10000"/>
+          </a:bodyPr>
+          <a:lstStyle/>
+          <a:p>
+            <a:r>
+              <a:rPr dirty="0"/>
               <a:t>Common built-in exceptions:</a:t>
             </a:r>
           </a:p>
           <a:p>
-            <a:r>
-              <a:t>• ArithmeticException</a:t>
-            </a:r>
-          </a:p>
-          <a:p>
-            <a:r>
-              <a:t>• NullPointerException</a:t>
-            </a:r>
-          </a:p>
-          <a:p>
-            <a:r>
-              <a:t>• ArrayIndexOutOfBoundsException</a:t>
-            </a:r>
-          </a:p>
-          <a:p>
-            <a:r>
-              <a:t>• NumberFormatException</a:t>
-            </a:r>
-          </a:p>
-          <a:p>
-            <a:r>
-              <a:t>• IOException</a:t>
-            </a:r>
-          </a:p>
-          <a:p>
-            <a:r>
+            <a:pPr marL="0" indent="0">
+              <a:buNone/>
+            </a:pPr>
+            <a:r>
+              <a:rPr lang="en-US" dirty="0" smtClean="0"/>
+              <a:t>	</a:t>
+            </a:r>
+            <a:r>
+              <a:rPr dirty="0" smtClean="0"/>
+              <a:t>• </a:t>
+            </a:r>
+            <a:r>
+              <a:rPr dirty="0" err="1"/>
+              <a:t>ArithmeticException</a:t>
+            </a:r>
+            <a:endParaRPr dirty="0"/>
+          </a:p>
+          <a:p>
+            <a:pPr marL="0" indent="0">
+              <a:buNone/>
+            </a:pPr>
+            <a:r>
+              <a:rPr lang="en-US" dirty="0" smtClean="0"/>
+              <a:t>	</a:t>
+            </a:r>
+            <a:r>
+              <a:rPr dirty="0" smtClean="0"/>
+              <a:t>• </a:t>
+            </a:r>
+            <a:r>
+              <a:rPr dirty="0" err="1"/>
+              <a:t>NullPointerException</a:t>
+            </a:r>
+            <a:endParaRPr dirty="0"/>
+          </a:p>
+          <a:p>
+            <a:pPr marL="0" indent="0">
+              <a:buNone/>
+            </a:pPr>
+            <a:r>
+              <a:rPr lang="en-US" dirty="0" smtClean="0"/>
+              <a:t>	</a:t>
+            </a:r>
+            <a:r>
+              <a:rPr dirty="0" smtClean="0"/>
+              <a:t>• </a:t>
+            </a:r>
+            <a:r>
+              <a:rPr dirty="0" err="1"/>
+              <a:t>ArrayIndexOutOfBoundsException</a:t>
+            </a:r>
+            <a:endParaRPr dirty="0"/>
+          </a:p>
+          <a:p>
+            <a:pPr marL="0" indent="0">
+              <a:buNone/>
+            </a:pPr>
+            <a:r>
+              <a:rPr lang="en-US" dirty="0" smtClean="0"/>
+              <a:t>	</a:t>
+            </a:r>
+            <a:r>
+              <a:rPr dirty="0" smtClean="0"/>
+              <a:t>• </a:t>
+            </a:r>
+            <a:r>
+              <a:rPr dirty="0" err="1"/>
+              <a:t>NumberFormatException</a:t>
+            </a:r>
+            <a:endParaRPr dirty="0"/>
+          </a:p>
+          <a:p>
+            <a:pPr marL="0" indent="0">
+              <a:buNone/>
+            </a:pPr>
+            <a:r>
+              <a:rPr lang="en-US" dirty="0" smtClean="0"/>
+              <a:t>	</a:t>
+            </a:r>
+            <a:r>
+              <a:rPr dirty="0" smtClean="0"/>
+              <a:t>• </a:t>
+            </a:r>
+            <a:r>
+              <a:rPr dirty="0" err="1"/>
+              <a:t>IOException</a:t>
+            </a:r>
+            <a:endParaRPr dirty="0"/>
+          </a:p>
+          <a:p>
+            <a:r>
+              <a:rPr dirty="0"/>
               <a:t>Java categorizes exceptions into Checked, Unchecked, and Errors.</a:t>
             </a:r>
           </a:p>
@@ -3454,7 +3620,7 @@
 </file>
 
 <file path=ppt/slides/slide4.xml><?xml version="1.0" encoding="utf-8"?>
-<p:sld xmlns:a="http://schemas.openxmlformats.org/drawingml/2006/main" xmlns:p="http://schemas.openxmlformats.org/presentationml/2006/main" xmlns:r="http://schemas.openxmlformats.org/officeDocument/2006/relationships">
+<p:sld xmlns:a="http://schemas.openxmlformats.org/drawingml/2006/main" xmlns:r="http://schemas.openxmlformats.org/officeDocument/2006/relationships" xmlns:p="http://schemas.openxmlformats.org/presentationml/2006/main">
   <p:cSld>
     <p:spTree>
       <p:nvGrpSpPr>
@@ -3462,7 +3628,14 @@
         <p:cNvGrpSpPr/>
         <p:nvPr/>
       </p:nvGrpSpPr>
-      <p:grpSpPr/>
+      <p:grpSpPr>
+        <a:xfrm>
+          <a:off x="0" y="0"/>
+          <a:ext cx="0" cy="0"/>
+          <a:chOff x="0" y="0"/>
+          <a:chExt cx="0" cy="0"/>
+        </a:xfrm>
+      </p:grpSpPr>
       <p:sp>
         <p:nvSpPr>
           <p:cNvPr id="2" name="Title 1"/>
@@ -3524,7 +3697,7 @@
 </file>
 
 <file path=ppt/slides/slide5.xml><?xml version="1.0" encoding="utf-8"?>
-<p:sld xmlns:a="http://schemas.openxmlformats.org/drawingml/2006/main" xmlns:p="http://schemas.openxmlformats.org/presentationml/2006/main" xmlns:r="http://schemas.openxmlformats.org/officeDocument/2006/relationships">
+<p:sld xmlns:a="http://schemas.openxmlformats.org/drawingml/2006/main" xmlns:r="http://schemas.openxmlformats.org/officeDocument/2006/relationships" xmlns:p="http://schemas.openxmlformats.org/presentationml/2006/main">
   <p:cSld>
     <p:spTree>
       <p:nvGrpSpPr>
@@ -3532,7 +3705,14 @@
         <p:cNvGrpSpPr/>
         <p:nvPr/>
       </p:nvGrpSpPr>
-      <p:grpSpPr/>
+      <p:grpSpPr>
+        <a:xfrm>
+          <a:off x="0" y="0"/>
+          <a:ext cx="0" cy="0"/>
+          <a:chOff x="0" y="0"/>
+          <a:chExt cx="0" cy="0"/>
+        </a:xfrm>
+      </p:grpSpPr>
       <p:sp>
         <p:nvSpPr>
           <p:cNvPr id="2" name="Title 1"/>
@@ -3566,30 +3746,134 @@
         </p:nvSpPr>
         <p:spPr/>
         <p:txBody>
-          <a:bodyPr/>
-          <a:lstStyle/>
-          <a:p>
-            <a:r>
+          <a:bodyPr>
+            <a:normAutofit lnSpcReduction="10000"/>
+          </a:bodyPr>
+          <a:lstStyle/>
+          <a:p>
+            <a:r>
+              <a:rPr dirty="0"/>
               <a:t>Custom exceptions extend Exception class.</a:t>
             </a:r>
           </a:p>
           <a:p>
             <a:r>
+              <a:rPr dirty="0"/>
               <a:t>Example:</a:t>
             </a:r>
           </a:p>
           <a:p>
-            <a:r>
-              <a:t>class AgeException extends Exception {</a:t>
-            </a:r>
-          </a:p>
-          <a:p>
-            <a:r>
-              <a:t>  AgeException(String msg){ super(msg);} }</a:t>
-            </a:r>
-          </a:p>
-          <a:p>
-            <a:r>
+            <a:pPr marL="0" indent="0">
+              <a:buNone/>
+            </a:pPr>
+            <a:r>
+              <a:rPr lang="en-US" dirty="0" smtClean="0"/>
+              <a:t>	</a:t>
+            </a:r>
+            <a:r>
+              <a:rPr sz="2600" dirty="0" smtClean="0"/>
+              <a:t>class </a:t>
+            </a:r>
+            <a:r>
+              <a:rPr sz="2600" dirty="0" err="1"/>
+              <a:t>AgeException</a:t>
+            </a:r>
+            <a:r>
+              <a:rPr sz="2600" dirty="0"/>
+              <a:t> extends Exception {</a:t>
+            </a:r>
+          </a:p>
+          <a:p>
+            <a:pPr marL="0" indent="0">
+              <a:buNone/>
+            </a:pPr>
+            <a:r>
+              <a:rPr lang="en-US" sz="2600" dirty="0" smtClean="0"/>
+              <a:t>	</a:t>
+            </a:r>
+            <a:r>
+              <a:rPr sz="2600" dirty="0" smtClean="0"/>
+              <a:t> </a:t>
+            </a:r>
+            <a:r>
+              <a:rPr sz="2600" dirty="0" err="1"/>
+              <a:t>AgeException</a:t>
+            </a:r>
+            <a:r>
+              <a:rPr sz="2600" dirty="0"/>
+              <a:t>(String </a:t>
+            </a:r>
+            <a:r>
+              <a:rPr sz="2600" dirty="0" err="1"/>
+              <a:t>msg</a:t>
+            </a:r>
+            <a:r>
+              <a:rPr sz="2600" dirty="0"/>
+              <a:t>){ </a:t>
+            </a:r>
+            <a:endParaRPr lang="en-US" sz="2600" dirty="0" smtClean="0"/>
+          </a:p>
+          <a:p>
+            <a:pPr marL="0" indent="0">
+              <a:buNone/>
+            </a:pPr>
+            <a:r>
+              <a:rPr lang="en-US" sz="2600" dirty="0"/>
+              <a:t>	</a:t>
+            </a:r>
+            <a:r>
+              <a:rPr lang="en-US" sz="2600" dirty="0" smtClean="0"/>
+              <a:t>	</a:t>
+            </a:r>
+            <a:r>
+              <a:rPr sz="2600" dirty="0" smtClean="0"/>
+              <a:t>super(</a:t>
+            </a:r>
+            <a:r>
+              <a:rPr sz="2600" dirty="0" err="1" smtClean="0"/>
+              <a:t>msg</a:t>
+            </a:r>
+            <a:r>
+              <a:rPr sz="2600" dirty="0" smtClean="0"/>
+              <a:t>);</a:t>
+            </a:r>
+            <a:endParaRPr lang="en-US" sz="2600" dirty="0" smtClean="0"/>
+          </a:p>
+          <a:p>
+            <a:pPr marL="0" indent="0">
+              <a:buNone/>
+            </a:pPr>
+            <a:r>
+              <a:rPr lang="en-US" sz="2600" dirty="0"/>
+              <a:t>	 </a:t>
+            </a:r>
+            <a:r>
+              <a:rPr lang="en-US" sz="2600" dirty="0" smtClean="0"/>
+              <a:t> </a:t>
+            </a:r>
+            <a:r>
+              <a:rPr sz="2600" dirty="0" smtClean="0"/>
+              <a:t>} </a:t>
+            </a:r>
+            <a:endParaRPr lang="en-US" sz="2600" dirty="0" smtClean="0"/>
+          </a:p>
+          <a:p>
+            <a:pPr marL="0" indent="0">
+              <a:buNone/>
+            </a:pPr>
+            <a:r>
+              <a:rPr lang="en-US" sz="2600" dirty="0"/>
+              <a:t>	</a:t>
+            </a:r>
+            <a:r>
+              <a:rPr sz="2600" dirty="0" smtClean="0"/>
+              <a:t>}</a:t>
+            </a:r>
+            <a:endParaRPr sz="2600" dirty="0"/>
+          </a:p>
+          <a:p>
+            <a:r>
+              <a:rPr dirty="0"/>
               <a:t>Used when built-in exceptions are not enough.</a:t>
             </a:r>
           </a:p>
@@ -3604,7 +3888,7 @@
 </file>
 
 <file path=ppt/slides/slide6.xml><?xml version="1.0" encoding="utf-8"?>
-<p:sld xmlns:a="http://schemas.openxmlformats.org/drawingml/2006/main" xmlns:p="http://schemas.openxmlformats.org/presentationml/2006/main" xmlns:r="http://schemas.openxmlformats.org/officeDocument/2006/relationships">
+<p:sld xmlns:a="http://schemas.openxmlformats.org/drawingml/2006/main" xmlns:r="http://schemas.openxmlformats.org/officeDocument/2006/relationships" xmlns:p="http://schemas.openxmlformats.org/presentationml/2006/main">
   <p:cSld>
     <p:spTree>
       <p:nvGrpSpPr>
@@ -3612,7 +3896,14 @@
         <p:cNvGrpSpPr/>
         <p:nvPr/>
       </p:nvGrpSpPr>
-      <p:grpSpPr/>
+      <p:grpSpPr>
+        <a:xfrm>
+          <a:off x="0" y="0"/>
+          <a:ext cx="0" cy="0"/>
+          <a:chOff x="0" y="0"/>
+          <a:chExt cx="0" cy="0"/>
+        </a:xfrm>
+      </p:grpSpPr>
       <p:sp>
         <p:nvSpPr>
           <p:cNvPr id="2" name="Title 1"/>
@@ -3644,34 +3935,156 @@
             <p:ph idx="1"/>
           </p:nvPr>
         </p:nvSpPr>
-        <p:spPr/>
-        <p:txBody>
-          <a:bodyPr/>
-          <a:lstStyle/>
-          <a:p>
-            <a:r>
+        <p:spPr>
+          <a:xfrm>
+            <a:off x="457200" y="1591147"/>
+            <a:ext cx="8229600" cy="4525963"/>
+          </a:xfrm>
+        </p:spPr>
+        <p:txBody>
+          <a:bodyPr>
+            <a:normAutofit lnSpcReduction="10000"/>
+          </a:bodyPr>
+          <a:lstStyle/>
+          <a:p>
+            <a:r>
+              <a:rPr dirty="0"/>
               <a:t>try block contains risky code.</a:t>
             </a:r>
           </a:p>
           <a:p>
             <a:r>
+              <a:rPr dirty="0"/>
               <a:t>catch block handles specific exception types.</a:t>
             </a:r>
           </a:p>
           <a:p>
             <a:r>
+              <a:rPr dirty="0"/>
               <a:t>Example:</a:t>
             </a:r>
           </a:p>
           <a:p>
-            <a:r>
-              <a:t>try { int x = 5/0; }</a:t>
-            </a:r>
-          </a:p>
-          <a:p>
-            <a:r>
-              <a:t>catch(ArithmeticException e) { System.out.println(e); }</a:t>
-            </a:r>
+            <a:pPr marL="0" indent="0">
+              <a:buNone/>
+            </a:pPr>
+            <a:r>
+              <a:rPr lang="en-US" dirty="0" smtClean="0"/>
+              <a:t>	</a:t>
+            </a:r>
+            <a:r>
+              <a:rPr dirty="0" smtClean="0"/>
+              <a:t>try </a:t>
+            </a:r>
+            <a:r>
+              <a:rPr dirty="0"/>
+              <a:t>{ </a:t>
+            </a:r>
+            <a:endParaRPr lang="en-US" dirty="0" smtClean="0"/>
+          </a:p>
+          <a:p>
+            <a:pPr marL="0" indent="0">
+              <a:buNone/>
+            </a:pPr>
+            <a:r>
+              <a:rPr lang="en-US" dirty="0"/>
+              <a:t>	</a:t>
+            </a:r>
+            <a:r>
+              <a:rPr lang="en-US" dirty="0" smtClean="0"/>
+              <a:t>  </a:t>
+            </a:r>
+            <a:r>
+              <a:rPr dirty="0" err="1" smtClean="0"/>
+              <a:t>int</a:t>
+            </a:r>
+            <a:r>
+              <a:rPr dirty="0" smtClean="0"/>
+              <a:t> </a:t>
+            </a:r>
+            <a:r>
+              <a:rPr dirty="0"/>
+              <a:t>x = 5/0; </a:t>
+            </a:r>
+            <a:endParaRPr lang="en-US" dirty="0" smtClean="0"/>
+          </a:p>
+          <a:p>
+            <a:pPr marL="0" indent="0">
+              <a:buNone/>
+            </a:pPr>
+            <a:r>
+              <a:rPr lang="en-US" dirty="0"/>
+              <a:t>	</a:t>
+            </a:r>
+            <a:r>
+              <a:rPr dirty="0" smtClean="0"/>
+              <a:t>}</a:t>
+            </a:r>
+            <a:r>
+              <a:rPr lang="en-US" dirty="0" smtClean="0"/>
+              <a:t> </a:t>
+            </a:r>
+            <a:r>
+              <a:rPr dirty="0" smtClean="0"/>
+              <a:t>catch(</a:t>
+            </a:r>
+            <a:r>
+              <a:rPr dirty="0" err="1" smtClean="0"/>
+              <a:t>ArithmeticException</a:t>
+            </a:r>
+            <a:r>
+              <a:rPr dirty="0" smtClean="0"/>
+              <a:t> </a:t>
+            </a:r>
+            <a:r>
+              <a:rPr dirty="0"/>
+              <a:t>e) </a:t>
+            </a:r>
+            <a:r>
+              <a:rPr dirty="0" smtClean="0"/>
+              <a:t>{</a:t>
+            </a:r>
+            <a:endParaRPr lang="en-US" dirty="0" smtClean="0"/>
+          </a:p>
+          <a:p>
+            <a:pPr marL="0" indent="0">
+              <a:buNone/>
+            </a:pPr>
+            <a:r>
+              <a:rPr lang="en-US" dirty="0"/>
+              <a:t>	 </a:t>
+            </a:r>
+            <a:r>
+              <a:rPr lang="en-US" dirty="0" smtClean="0"/>
+              <a:t> </a:t>
+            </a:r>
+            <a:r>
+              <a:rPr dirty="0" err="1" smtClean="0"/>
+              <a:t>System.out.println</a:t>
+            </a:r>
+            <a:r>
+              <a:rPr dirty="0" smtClean="0"/>
+              <a:t>(e</a:t>
+            </a:r>
+            <a:r>
+              <a:rPr dirty="0"/>
+              <a:t>); </a:t>
+            </a:r>
+            <a:endParaRPr lang="en-US" dirty="0" smtClean="0"/>
+          </a:p>
+          <a:p>
+            <a:pPr marL="0" indent="0">
+              <a:buNone/>
+            </a:pPr>
+            <a:r>
+              <a:rPr lang="en-US" dirty="0"/>
+              <a:t>	</a:t>
+            </a:r>
+            <a:r>
+              <a:rPr dirty="0" smtClean="0"/>
+              <a:t>}</a:t>
+            </a:r>
+            <a:endParaRPr dirty="0"/>
           </a:p>
         </p:txBody>
       </p:sp>
@@ -3684,7 +4097,7 @@
 </file>
 
 <file path=ppt/slides/slide7.xml><?xml version="1.0" encoding="utf-8"?>
-<p:sld xmlns:a="http://schemas.openxmlformats.org/drawingml/2006/main" xmlns:p="http://schemas.openxmlformats.org/presentationml/2006/main" xmlns:r="http://schemas.openxmlformats.org/officeDocument/2006/relationships">
+<p:sld xmlns:a="http://schemas.openxmlformats.org/drawingml/2006/main" xmlns:r="http://schemas.openxmlformats.org/officeDocument/2006/relationships" xmlns:p="http://schemas.openxmlformats.org/presentationml/2006/main">
   <p:cSld>
     <p:spTree>
       <p:nvGrpSpPr>
@@ -3692,7 +4105,14 @@
         <p:cNvGrpSpPr/>
         <p:nvPr/>
       </p:nvGrpSpPr>
-      <p:grpSpPr/>
+      <p:grpSpPr>
+        <a:xfrm>
+          <a:off x="0" y="0"/>
+          <a:ext cx="0" cy="0"/>
+          <a:chOff x="0" y="0"/>
+          <a:chExt cx="0" cy="0"/>
+        </a:xfrm>
+      </p:grpSpPr>
       <p:sp>
         <p:nvSpPr>
           <p:cNvPr id="2" name="Title 1"/>
@@ -3754,7 +4174,7 @@
 </file>
 
 <file path=ppt/slides/slide8.xml><?xml version="1.0" encoding="utf-8"?>
-<p:sld xmlns:a="http://schemas.openxmlformats.org/drawingml/2006/main" xmlns:p="http://schemas.openxmlformats.org/presentationml/2006/main" xmlns:r="http://schemas.openxmlformats.org/officeDocument/2006/relationships">
+<p:sld xmlns:a="http://schemas.openxmlformats.org/drawingml/2006/main" xmlns:r="http://schemas.openxmlformats.org/officeDocument/2006/relationships" xmlns:p="http://schemas.openxmlformats.org/presentationml/2006/main">
   <p:cSld>
     <p:spTree>
       <p:nvGrpSpPr>
@@ -3762,7 +4182,14 @@
         <p:cNvGrpSpPr/>
         <p:nvPr/>
       </p:nvGrpSpPr>
-      <p:grpSpPr/>
+      <p:grpSpPr>
+        <a:xfrm>
+          <a:off x="0" y="0"/>
+          <a:ext cx="0" cy="0"/>
+          <a:chOff x="0" y="0"/>
+          <a:chExt cx="0" cy="0"/>
+        </a:xfrm>
+      </p:grpSpPr>
       <p:sp>
         <p:nvSpPr>
           <p:cNvPr id="2" name="Title 1"/>
@@ -3800,17 +4227,39 @@
           <a:lstStyle/>
           <a:p>
             <a:r>
+              <a:rPr dirty="0"/>
               <a:t>'throw' keyword is used to explicitly generate an exception.</a:t>
             </a:r>
           </a:p>
           <a:p>
             <a:r>
+              <a:rPr dirty="0"/>
               <a:t>Example:</a:t>
             </a:r>
           </a:p>
           <a:p>
-            <a:r>
-              <a:t>throw new ArithmeticException("Invalid Calculation");</a:t>
+            <a:pPr marL="0" indent="0">
+              <a:buNone/>
+            </a:pPr>
+            <a:r>
+              <a:rPr lang="en-US" dirty="0" smtClean="0"/>
+              <a:t>	</a:t>
+            </a:r>
+            <a:r>
+              <a:rPr dirty="0" smtClean="0"/>
+              <a:t>throw </a:t>
+            </a:r>
+            <a:r>
+              <a:rPr dirty="0"/>
+              <a:t>new </a:t>
+            </a:r>
+            <a:r>
+              <a:rPr dirty="0" err="1"/>
+              <a:t>ArithmeticException</a:t>
+            </a:r>
+            <a:r>
+              <a:rPr dirty="0"/>
+              <a:t>("Invalid Calculation");</a:t>
             </a:r>
           </a:p>
         </p:txBody>
@@ -3824,7 +4273,7 @@
 </file>
 
 <file path=ppt/slides/slide9.xml><?xml version="1.0" encoding="utf-8"?>
-<p:sld xmlns:a="http://schemas.openxmlformats.org/drawingml/2006/main" xmlns:p="http://schemas.openxmlformats.org/presentationml/2006/main" xmlns:r="http://schemas.openxmlformats.org/officeDocument/2006/relationships">
+<p:sld xmlns:a="http://schemas.openxmlformats.org/drawingml/2006/main" xmlns:r="http://schemas.openxmlformats.org/officeDocument/2006/relationships" xmlns:p="http://schemas.openxmlformats.org/presentationml/2006/main">
   <p:cSld>
     <p:spTree>
       <p:nvGrpSpPr>
@@ -3832,7 +4281,14 @@
         <p:cNvGrpSpPr/>
         <p:nvPr/>
       </p:nvGrpSpPr>
-      <p:grpSpPr/>
+      <p:grpSpPr>
+        <a:xfrm>
+          <a:off x="0" y="0"/>
+          <a:ext cx="0" cy="0"/>
+          <a:chOff x="0" y="0"/>
+          <a:chExt cx="0" cy="0"/>
+        </a:xfrm>
+      </p:grpSpPr>
       <p:sp>
         <p:nvSpPr>
           <p:cNvPr id="2" name="Title 1"/>
